--- a/src/test/resources/pagination.pptx
+++ b/src/test/resources/pagination.pptx
@@ -10,11 +10,13 @@
   <p:sldIdLst>
     <p:sldId id="256" r:id="rId3"/>
     <p:sldId id="258" r:id="rId4"/>
+    <p:sldId id="261" r:id="rId6"/>
+    <p:sldId id="262" r:id="rId7"/>
   </p:sldIdLst>
   <p:sldSz cx="12192000" cy="6858000"/>
   <p:notesSz cx="6858000" cy="9144000"/>
   <p:custDataLst>
-    <p:tags r:id="rId9"/>
+    <p:tags r:id="rId11"/>
   </p:custDataLst>
   <p:defaultTextStyle>
     <a:defPPr>
@@ -462,6 +464,102 @@
 </file>
 
 <file path=ppt/notesSlides/notesSlide1.xml><?xml version="1.0" encoding="utf-8"?>
+<p:notes xmlns:a="http://schemas.openxmlformats.org/drawingml/2006/main" xmlns:r="http://schemas.openxmlformats.org/officeDocument/2006/relationships" xmlns:p="http://schemas.openxmlformats.org/presentationml/2006/main">
+  <p:cSld>
+    <p:spTree>
+      <p:nvGrpSpPr>
+        <p:cNvPr id="1" name=""/>
+        <p:cNvGrpSpPr/>
+        <p:nvPr/>
+      </p:nvGrpSpPr>
+      <p:grpSpPr/>
+      <p:sp>
+        <p:nvSpPr>
+          <p:cNvPr id="2" name="幻灯片图像占位符 1"/>
+          <p:cNvSpPr/>
+          <p:nvPr>
+            <p:ph type="sldImg" idx="2"/>
+          </p:nvPr>
+        </p:nvSpPr>
+        <p:spPr/>
+      </p:sp>
+      <p:sp>
+        <p:nvSpPr>
+          <p:cNvPr id="3" name="文本占位符 2"/>
+          <p:cNvSpPr/>
+          <p:nvPr>
+            <p:ph type="body" idx="3"/>
+          </p:nvPr>
+        </p:nvSpPr>
+        <p:spPr/>
+        <p:txBody>
+          <a:bodyPr/>
+          <a:p>
+            <a:r>
+              <a:rPr lang="en-US" altLang="zh-CN"/>
+              <a:t>#pagination(size=10)</a:t>
+            </a:r>
+            <a:endParaRPr lang="en-US" altLang="zh-CN"/>
+          </a:p>
+        </p:txBody>
+      </p:sp>
+    </p:spTree>
+  </p:cSld>
+  <p:clrMapOvr>
+    <a:masterClrMapping/>
+  </p:clrMapOvr>
+</p:notes>
+</file>
+
+<file path=ppt/notesSlides/notesSlide2.xml><?xml version="1.0" encoding="utf-8"?>
+<p:notes xmlns:a="http://schemas.openxmlformats.org/drawingml/2006/main" xmlns:r="http://schemas.openxmlformats.org/officeDocument/2006/relationships" xmlns:p="http://schemas.openxmlformats.org/presentationml/2006/main">
+  <p:cSld>
+    <p:spTree>
+      <p:nvGrpSpPr>
+        <p:cNvPr id="1" name=""/>
+        <p:cNvGrpSpPr/>
+        <p:nvPr/>
+      </p:nvGrpSpPr>
+      <p:grpSpPr/>
+      <p:sp>
+        <p:nvSpPr>
+          <p:cNvPr id="2" name="幻灯片图像占位符 1"/>
+          <p:cNvSpPr/>
+          <p:nvPr>
+            <p:ph type="sldImg" idx="2"/>
+          </p:nvPr>
+        </p:nvSpPr>
+        <p:spPr/>
+      </p:sp>
+      <p:sp>
+        <p:nvSpPr>
+          <p:cNvPr id="3" name="文本占位符 2"/>
+          <p:cNvSpPr/>
+          <p:nvPr>
+            <p:ph type="body" idx="3"/>
+          </p:nvPr>
+        </p:nvSpPr>
+        <p:spPr/>
+        <p:txBody>
+          <a:bodyPr/>
+          <a:p>
+            <a:r>
+              <a:rPr lang="en-US" altLang="zh-CN"/>
+              <a:t>#pagination(size=10)</a:t>
+            </a:r>
+            <a:endParaRPr lang="en-US" altLang="zh-CN"/>
+          </a:p>
+        </p:txBody>
+      </p:sp>
+    </p:spTree>
+  </p:cSld>
+  <p:clrMapOvr>
+    <a:masterClrMapping/>
+  </p:clrMapOvr>
+</p:notes>
+</file>
+
+<file path=ppt/notesSlides/notesSlide3.xml><?xml version="1.0" encoding="utf-8"?>
 <p:notes xmlns:a="http://schemas.openxmlformats.org/drawingml/2006/main" xmlns:r="http://schemas.openxmlformats.org/officeDocument/2006/relationships" xmlns:p="http://schemas.openxmlformats.org/presentationml/2006/main">
   <p:cSld>
     <p:spTree>
@@ -3563,7 +3661,7 @@
           <a:p>
             <a:r>
               <a:rPr lang="en-US" altLang="zh-CN"/>
-              <a:t>List Pagination</a:t>
+              <a:t>Slide Pagination</a:t>
             </a:r>
             <a:endParaRPr lang="en-US" altLang="zh-CN"/>
           </a:p>
@@ -4040,6 +4138,1021 @@
   <p:clrMapOvr>
     <a:masterClrMapping/>
   </p:clrMapOvr>
+  <p:transition/>
+</p:sld>
+</file>
+
+<file path=ppt/slides/slide3.xml><?xml version="1.0" encoding="utf-8"?>
+<p:sld xmlns:a="http://schemas.openxmlformats.org/drawingml/2006/main" xmlns:r="http://schemas.openxmlformats.org/officeDocument/2006/relationships" xmlns:p="http://schemas.openxmlformats.org/presentationml/2006/main">
+  <p:cSld>
+    <p:spTree>
+      <p:nvGrpSpPr>
+        <p:cNvPr id="1" name=""/>
+        <p:cNvGrpSpPr/>
+        <p:nvPr/>
+      </p:nvGrpSpPr>
+      <p:grpSpPr/>
+      <p:sp>
+        <p:nvSpPr>
+          <p:cNvPr id="2" name="标题 1"/>
+          <p:cNvSpPr>
+            <a:spLocks noGrp="1"/>
+          </p:cNvSpPr>
+          <p:nvPr>
+            <p:ph type="title"/>
+          </p:nvPr>
+        </p:nvSpPr>
+        <p:spPr/>
+        <p:txBody>
+          <a:bodyPr/>
+          <a:p>
+            <a:r>
+              <a:rPr lang="en-US" altLang="zh-CN"/>
+              <a:t>Slide Pagination</a:t>
+            </a:r>
+            <a:endParaRPr lang="en-US" altLang="zh-CN"/>
+          </a:p>
+        </p:txBody>
+      </p:sp>
+      <p:graphicFrame>
+        <p:nvGraphicFramePr>
+          <p:cNvPr id="4" name="表格 3"/>
+          <p:cNvGraphicFramePr/>
+          <p:nvPr>
+            <p:custDataLst>
+              <p:tags r:id="rId1"/>
+            </p:custDataLst>
+          </p:nvPr>
+        </p:nvGraphicFramePr>
+        <p:xfrm>
+          <a:off x="1828800" y="2476500"/>
+          <a:ext cx="8533765" cy="1905000"/>
+        </p:xfrm>
+        <a:graphic>
+          <a:graphicData uri="http://schemas.openxmlformats.org/drawingml/2006/table">
+            <a:tbl>
+              <a:tblPr firstRow="1" bandRow="1">
+                <a:tableStyleId>{5C22544A-7EE6-4342-B048-85BDC9FD1C3A}</a:tableStyleId>
+              </a:tblPr>
+              <a:tblGrid>
+                <a:gridCol w="1218565"/>
+                <a:gridCol w="1218565"/>
+                <a:gridCol w="1218565"/>
+                <a:gridCol w="1218565"/>
+                <a:gridCol w="1218565"/>
+                <a:gridCol w="1218565"/>
+                <a:gridCol w="1218565"/>
+              </a:tblGrid>
+              <a:tr h="381000">
+                <a:tc>
+                  <a:txBody>
+                    <a:bodyPr/>
+                    <a:p>
+                      <a:pPr>
+                        <a:buNone/>
+                      </a:pPr>
+                      <a:endParaRPr lang="zh-CN" altLang="en-US"/>
+                    </a:p>
+                  </a:txBody>
+                  <a:tcPr/>
+                </a:tc>
+                <a:tc>
+                  <a:txBody>
+                    <a:bodyPr/>
+                    <a:p>
+                      <a:pPr>
+                        <a:buNone/>
+                      </a:pPr>
+                      <a:endParaRPr lang="zh-CN" altLang="en-US"/>
+                    </a:p>
+                  </a:txBody>
+                  <a:tcPr/>
+                </a:tc>
+                <a:tc>
+                  <a:txBody>
+                    <a:bodyPr/>
+                    <a:p>
+                      <a:pPr>
+                        <a:buNone/>
+                      </a:pPr>
+                      <a:endParaRPr lang="zh-CN" altLang="en-US"/>
+                    </a:p>
+                  </a:txBody>
+                  <a:tcPr/>
+                </a:tc>
+                <a:tc>
+                  <a:txBody>
+                    <a:bodyPr/>
+                    <a:p>
+                      <a:pPr>
+                        <a:buNone/>
+                      </a:pPr>
+                      <a:endParaRPr lang="zh-CN" altLang="en-US"/>
+                    </a:p>
+                  </a:txBody>
+                  <a:tcPr/>
+                </a:tc>
+                <a:tc>
+                  <a:txBody>
+                    <a:bodyPr/>
+                    <a:p>
+                      <a:pPr>
+                        <a:buNone/>
+                      </a:pPr>
+                      <a:endParaRPr lang="zh-CN" altLang="en-US"/>
+                    </a:p>
+                  </a:txBody>
+                  <a:tcPr/>
+                </a:tc>
+                <a:tc>
+                  <a:txBody>
+                    <a:bodyPr/>
+                    <a:p>
+                      <a:pPr>
+                        <a:buNone/>
+                      </a:pPr>
+                      <a:endParaRPr lang="zh-CN" altLang="en-US"/>
+                    </a:p>
+                  </a:txBody>
+                  <a:tcPr/>
+                </a:tc>
+                <a:tc>
+                  <a:txBody>
+                    <a:bodyPr/>
+                    <a:p>
+                      <a:pPr>
+                        <a:buNone/>
+                      </a:pPr>
+                      <a:endParaRPr lang="zh-CN" altLang="en-US"/>
+                    </a:p>
+                  </a:txBody>
+                  <a:tcPr/>
+                </a:tc>
+              </a:tr>
+              <a:tr h="381000">
+                <a:tc>
+                  <a:txBody>
+                    <a:bodyPr/>
+                    <a:p>
+                      <a:pPr>
+                        <a:buNone/>
+                      </a:pPr>
+                      <a:endParaRPr lang="zh-CN" altLang="en-US"/>
+                    </a:p>
+                  </a:txBody>
+                  <a:tcPr/>
+                </a:tc>
+                <a:tc>
+                  <a:txBody>
+                    <a:bodyPr/>
+                    <a:p>
+                      <a:pPr>
+                        <a:buNone/>
+                      </a:pPr>
+                      <a:endParaRPr lang="zh-CN" altLang="en-US"/>
+                    </a:p>
+                  </a:txBody>
+                  <a:tcPr/>
+                </a:tc>
+                <a:tc>
+                  <a:txBody>
+                    <a:bodyPr/>
+                    <a:p>
+                      <a:pPr>
+                        <a:buNone/>
+                      </a:pPr>
+                      <a:endParaRPr lang="zh-CN" altLang="en-US"/>
+                    </a:p>
+                  </a:txBody>
+                  <a:tcPr/>
+                </a:tc>
+                <a:tc>
+                  <a:txBody>
+                    <a:bodyPr/>
+                    <a:p>
+                      <a:pPr>
+                        <a:buNone/>
+                      </a:pPr>
+                      <a:endParaRPr lang="zh-CN" altLang="en-US"/>
+                    </a:p>
+                  </a:txBody>
+                  <a:tcPr/>
+                </a:tc>
+                <a:tc>
+                  <a:txBody>
+                    <a:bodyPr/>
+                    <a:p>
+                      <a:pPr>
+                        <a:buNone/>
+                      </a:pPr>
+                      <a:endParaRPr lang="zh-CN" altLang="en-US"/>
+                    </a:p>
+                  </a:txBody>
+                  <a:tcPr/>
+                </a:tc>
+                <a:tc>
+                  <a:txBody>
+                    <a:bodyPr/>
+                    <a:p>
+                      <a:pPr>
+                        <a:buNone/>
+                      </a:pPr>
+                      <a:endParaRPr lang="zh-CN" altLang="en-US"/>
+                    </a:p>
+                  </a:txBody>
+                  <a:tcPr/>
+                </a:tc>
+                <a:tc>
+                  <a:txBody>
+                    <a:bodyPr/>
+                    <a:p>
+                      <a:pPr>
+                        <a:buNone/>
+                      </a:pPr>
+                      <a:endParaRPr lang="zh-CN" altLang="en-US"/>
+                    </a:p>
+                  </a:txBody>
+                  <a:tcPr/>
+                </a:tc>
+              </a:tr>
+              <a:tr h="381000">
+                <a:tc>
+                  <a:txBody>
+                    <a:bodyPr/>
+                    <a:p>
+                      <a:pPr>
+                        <a:buNone/>
+                      </a:pPr>
+                      <a:endParaRPr lang="zh-CN" altLang="en-US"/>
+                    </a:p>
+                  </a:txBody>
+                  <a:tcPr/>
+                </a:tc>
+                <a:tc>
+                  <a:txBody>
+                    <a:bodyPr/>
+                    <a:p>
+                      <a:pPr>
+                        <a:buNone/>
+                      </a:pPr>
+                      <a:endParaRPr lang="zh-CN" altLang="en-US"/>
+                    </a:p>
+                  </a:txBody>
+                  <a:tcPr/>
+                </a:tc>
+                <a:tc>
+                  <a:txBody>
+                    <a:bodyPr/>
+                    <a:p>
+                      <a:pPr>
+                        <a:buNone/>
+                      </a:pPr>
+                      <a:endParaRPr lang="zh-CN" altLang="en-US"/>
+                    </a:p>
+                  </a:txBody>
+                  <a:tcPr/>
+                </a:tc>
+                <a:tc>
+                  <a:txBody>
+                    <a:bodyPr/>
+                    <a:p>
+                      <a:pPr>
+                        <a:buNone/>
+                      </a:pPr>
+                      <a:endParaRPr lang="zh-CN" altLang="en-US"/>
+                    </a:p>
+                  </a:txBody>
+                  <a:tcPr/>
+                </a:tc>
+                <a:tc>
+                  <a:txBody>
+                    <a:bodyPr/>
+                    <a:p>
+                      <a:pPr>
+                        <a:buNone/>
+                      </a:pPr>
+                      <a:endParaRPr lang="zh-CN" altLang="en-US"/>
+                    </a:p>
+                  </a:txBody>
+                  <a:tcPr/>
+                </a:tc>
+                <a:tc>
+                  <a:txBody>
+                    <a:bodyPr/>
+                    <a:p>
+                      <a:pPr>
+                        <a:buNone/>
+                      </a:pPr>
+                      <a:endParaRPr lang="zh-CN" altLang="en-US"/>
+                    </a:p>
+                  </a:txBody>
+                  <a:tcPr/>
+                </a:tc>
+                <a:tc>
+                  <a:txBody>
+                    <a:bodyPr/>
+                    <a:p>
+                      <a:pPr>
+                        <a:buNone/>
+                      </a:pPr>
+                      <a:endParaRPr lang="zh-CN" altLang="en-US"/>
+                    </a:p>
+                  </a:txBody>
+                  <a:tcPr/>
+                </a:tc>
+              </a:tr>
+              <a:tr h="381000">
+                <a:tc>
+                  <a:txBody>
+                    <a:bodyPr/>
+                    <a:p>
+                      <a:pPr>
+                        <a:buNone/>
+                      </a:pPr>
+                      <a:endParaRPr lang="zh-CN" altLang="en-US"/>
+                    </a:p>
+                  </a:txBody>
+                  <a:tcPr/>
+                </a:tc>
+                <a:tc>
+                  <a:txBody>
+                    <a:bodyPr/>
+                    <a:p>
+                      <a:pPr>
+                        <a:buNone/>
+                      </a:pPr>
+                      <a:endParaRPr lang="zh-CN" altLang="en-US"/>
+                    </a:p>
+                  </a:txBody>
+                  <a:tcPr/>
+                </a:tc>
+                <a:tc>
+                  <a:txBody>
+                    <a:bodyPr/>
+                    <a:p>
+                      <a:pPr>
+                        <a:buNone/>
+                      </a:pPr>
+                      <a:endParaRPr lang="zh-CN" altLang="en-US"/>
+                    </a:p>
+                  </a:txBody>
+                  <a:tcPr/>
+                </a:tc>
+                <a:tc>
+                  <a:txBody>
+                    <a:bodyPr/>
+                    <a:p>
+                      <a:pPr>
+                        <a:buNone/>
+                      </a:pPr>
+                      <a:endParaRPr lang="zh-CN" altLang="en-US"/>
+                    </a:p>
+                  </a:txBody>
+                  <a:tcPr/>
+                </a:tc>
+                <a:tc>
+                  <a:txBody>
+                    <a:bodyPr/>
+                    <a:p>
+                      <a:pPr>
+                        <a:buNone/>
+                      </a:pPr>
+                      <a:endParaRPr lang="zh-CN" altLang="en-US"/>
+                    </a:p>
+                  </a:txBody>
+                  <a:tcPr/>
+                </a:tc>
+                <a:tc>
+                  <a:txBody>
+                    <a:bodyPr/>
+                    <a:p>
+                      <a:pPr>
+                        <a:buNone/>
+                      </a:pPr>
+                      <a:endParaRPr lang="zh-CN" altLang="en-US"/>
+                    </a:p>
+                  </a:txBody>
+                  <a:tcPr/>
+                </a:tc>
+                <a:tc>
+                  <a:txBody>
+                    <a:bodyPr/>
+                    <a:p>
+                      <a:pPr>
+                        <a:buNone/>
+                      </a:pPr>
+                      <a:endParaRPr lang="zh-CN" altLang="en-US"/>
+                    </a:p>
+                  </a:txBody>
+                  <a:tcPr/>
+                </a:tc>
+              </a:tr>
+              <a:tr h="381000">
+                <a:tc>
+                  <a:txBody>
+                    <a:bodyPr/>
+                    <a:p>
+                      <a:pPr>
+                        <a:buNone/>
+                      </a:pPr>
+                      <a:endParaRPr lang="zh-CN" altLang="en-US"/>
+                    </a:p>
+                  </a:txBody>
+                  <a:tcPr/>
+                </a:tc>
+                <a:tc>
+                  <a:txBody>
+                    <a:bodyPr/>
+                    <a:p>
+                      <a:pPr>
+                        <a:buNone/>
+                      </a:pPr>
+                      <a:endParaRPr lang="zh-CN" altLang="en-US"/>
+                    </a:p>
+                  </a:txBody>
+                  <a:tcPr/>
+                </a:tc>
+                <a:tc>
+                  <a:txBody>
+                    <a:bodyPr/>
+                    <a:p>
+                      <a:pPr>
+                        <a:buNone/>
+                      </a:pPr>
+                      <a:endParaRPr lang="zh-CN" altLang="en-US"/>
+                    </a:p>
+                  </a:txBody>
+                  <a:tcPr/>
+                </a:tc>
+                <a:tc>
+                  <a:txBody>
+                    <a:bodyPr/>
+                    <a:p>
+                      <a:pPr>
+                        <a:buNone/>
+                      </a:pPr>
+                      <a:endParaRPr lang="zh-CN" altLang="en-US"/>
+                    </a:p>
+                  </a:txBody>
+                  <a:tcPr/>
+                </a:tc>
+                <a:tc>
+                  <a:txBody>
+                    <a:bodyPr/>
+                    <a:p>
+                      <a:pPr>
+                        <a:buNone/>
+                      </a:pPr>
+                      <a:endParaRPr lang="zh-CN" altLang="en-US"/>
+                    </a:p>
+                  </a:txBody>
+                  <a:tcPr/>
+                </a:tc>
+                <a:tc>
+                  <a:txBody>
+                    <a:bodyPr/>
+                    <a:p>
+                      <a:pPr>
+                        <a:buNone/>
+                      </a:pPr>
+                      <a:endParaRPr lang="zh-CN" altLang="en-US"/>
+                    </a:p>
+                  </a:txBody>
+                  <a:tcPr/>
+                </a:tc>
+                <a:tc>
+                  <a:txBody>
+                    <a:bodyPr/>
+                    <a:p>
+                      <a:pPr>
+                        <a:buNone/>
+                      </a:pPr>
+                      <a:endParaRPr lang="zh-CN" altLang="en-US"/>
+                    </a:p>
+                  </a:txBody>
+                  <a:tcPr/>
+                </a:tc>
+              </a:tr>
+            </a:tbl>
+          </a:graphicData>
+        </a:graphic>
+      </p:graphicFrame>
+    </p:spTree>
+    <p:custDataLst>
+      <p:tags r:id="rId2"/>
+    </p:custDataLst>
+  </p:cSld>
+  <p:clrMapOvr>
+    <a:masterClrMapping/>
+  </p:clrMapOvr>
+  <p:transition/>
+</p:sld>
+</file>
+
+<file path=ppt/slides/slide4.xml><?xml version="1.0" encoding="utf-8"?>
+<p:sld xmlns:a="http://schemas.openxmlformats.org/drawingml/2006/main" xmlns:r="http://schemas.openxmlformats.org/officeDocument/2006/relationships" xmlns:p="http://schemas.openxmlformats.org/presentationml/2006/main">
+  <p:cSld>
+    <p:spTree>
+      <p:nvGrpSpPr>
+        <p:cNvPr id="1" name=""/>
+        <p:cNvGrpSpPr/>
+        <p:nvPr/>
+      </p:nvGrpSpPr>
+      <p:grpSpPr/>
+      <p:sp>
+        <p:nvSpPr>
+          <p:cNvPr id="2" name="标题 1"/>
+          <p:cNvSpPr>
+            <a:spLocks noGrp="1"/>
+          </p:cNvSpPr>
+          <p:nvPr>
+            <p:ph type="title"/>
+          </p:nvPr>
+        </p:nvSpPr>
+        <p:spPr/>
+        <p:txBody>
+          <a:bodyPr/>
+          <a:p>
+            <a:r>
+              <a:rPr lang="en-US" altLang="zh-CN"/>
+              <a:t>Slide Pagination</a:t>
+            </a:r>
+            <a:endParaRPr lang="en-US" altLang="zh-CN"/>
+          </a:p>
+        </p:txBody>
+      </p:sp>
+      <p:graphicFrame>
+        <p:nvGraphicFramePr>
+          <p:cNvPr id="4" name="表格 3"/>
+          <p:cNvGraphicFramePr/>
+          <p:nvPr>
+            <p:custDataLst>
+              <p:tags r:id="rId1"/>
+            </p:custDataLst>
+          </p:nvPr>
+        </p:nvGraphicFramePr>
+        <p:xfrm>
+          <a:off x="1828800" y="2476500"/>
+          <a:ext cx="8533765" cy="1905000"/>
+        </p:xfrm>
+        <a:graphic>
+          <a:graphicData uri="http://schemas.openxmlformats.org/drawingml/2006/table">
+            <a:tbl>
+              <a:tblPr firstRow="1" bandRow="1">
+                <a:tableStyleId>{5C22544A-7EE6-4342-B048-85BDC9FD1C3A}</a:tableStyleId>
+              </a:tblPr>
+              <a:tblGrid>
+                <a:gridCol w="1218565"/>
+                <a:gridCol w="1218565"/>
+                <a:gridCol w="1218565"/>
+                <a:gridCol w="1218565"/>
+                <a:gridCol w="1218565"/>
+                <a:gridCol w="1218565"/>
+                <a:gridCol w="1218565"/>
+              </a:tblGrid>
+              <a:tr h="381000">
+                <a:tc>
+                  <a:txBody>
+                    <a:bodyPr/>
+                    <a:p>
+                      <a:pPr>
+                        <a:buNone/>
+                      </a:pPr>
+                      <a:endParaRPr lang="zh-CN" altLang="en-US"/>
+                    </a:p>
+                  </a:txBody>
+                  <a:tcPr/>
+                </a:tc>
+                <a:tc>
+                  <a:txBody>
+                    <a:bodyPr/>
+                    <a:p>
+                      <a:pPr>
+                        <a:buNone/>
+                      </a:pPr>
+                      <a:endParaRPr lang="zh-CN" altLang="en-US"/>
+                    </a:p>
+                  </a:txBody>
+                  <a:tcPr/>
+                </a:tc>
+                <a:tc>
+                  <a:txBody>
+                    <a:bodyPr/>
+                    <a:p>
+                      <a:pPr>
+                        <a:buNone/>
+                      </a:pPr>
+                      <a:endParaRPr lang="zh-CN" altLang="en-US"/>
+                    </a:p>
+                  </a:txBody>
+                  <a:tcPr/>
+                </a:tc>
+                <a:tc>
+                  <a:txBody>
+                    <a:bodyPr/>
+                    <a:p>
+                      <a:pPr>
+                        <a:buNone/>
+                      </a:pPr>
+                      <a:endParaRPr lang="zh-CN" altLang="en-US"/>
+                    </a:p>
+                  </a:txBody>
+                  <a:tcPr/>
+                </a:tc>
+                <a:tc>
+                  <a:txBody>
+                    <a:bodyPr/>
+                    <a:p>
+                      <a:pPr>
+                        <a:buNone/>
+                      </a:pPr>
+                      <a:endParaRPr lang="zh-CN" altLang="en-US"/>
+                    </a:p>
+                  </a:txBody>
+                  <a:tcPr/>
+                </a:tc>
+                <a:tc>
+                  <a:txBody>
+                    <a:bodyPr/>
+                    <a:p>
+                      <a:pPr>
+                        <a:buNone/>
+                      </a:pPr>
+                      <a:endParaRPr lang="zh-CN" altLang="en-US"/>
+                    </a:p>
+                  </a:txBody>
+                  <a:tcPr/>
+                </a:tc>
+                <a:tc>
+                  <a:txBody>
+                    <a:bodyPr/>
+                    <a:p>
+                      <a:pPr>
+                        <a:buNone/>
+                      </a:pPr>
+                      <a:endParaRPr lang="zh-CN" altLang="en-US"/>
+                    </a:p>
+                  </a:txBody>
+                  <a:tcPr/>
+                </a:tc>
+              </a:tr>
+              <a:tr h="381000">
+                <a:tc>
+                  <a:txBody>
+                    <a:bodyPr/>
+                    <a:p>
+                      <a:pPr>
+                        <a:buNone/>
+                      </a:pPr>
+                      <a:endParaRPr lang="zh-CN" altLang="en-US"/>
+                    </a:p>
+                  </a:txBody>
+                  <a:tcPr/>
+                </a:tc>
+                <a:tc>
+                  <a:txBody>
+                    <a:bodyPr/>
+                    <a:p>
+                      <a:pPr>
+                        <a:buNone/>
+                      </a:pPr>
+                      <a:endParaRPr lang="zh-CN" altLang="en-US"/>
+                    </a:p>
+                  </a:txBody>
+                  <a:tcPr/>
+                </a:tc>
+                <a:tc>
+                  <a:txBody>
+                    <a:bodyPr/>
+                    <a:p>
+                      <a:pPr>
+                        <a:buNone/>
+                      </a:pPr>
+                      <a:endParaRPr lang="zh-CN" altLang="en-US"/>
+                    </a:p>
+                  </a:txBody>
+                  <a:tcPr/>
+                </a:tc>
+                <a:tc>
+                  <a:txBody>
+                    <a:bodyPr/>
+                    <a:p>
+                      <a:pPr>
+                        <a:buNone/>
+                      </a:pPr>
+                      <a:endParaRPr lang="zh-CN" altLang="en-US"/>
+                    </a:p>
+                  </a:txBody>
+                  <a:tcPr/>
+                </a:tc>
+                <a:tc>
+                  <a:txBody>
+                    <a:bodyPr/>
+                    <a:p>
+                      <a:pPr>
+                        <a:buNone/>
+                      </a:pPr>
+                      <a:endParaRPr lang="zh-CN" altLang="en-US"/>
+                    </a:p>
+                  </a:txBody>
+                  <a:tcPr/>
+                </a:tc>
+                <a:tc>
+                  <a:txBody>
+                    <a:bodyPr/>
+                    <a:p>
+                      <a:pPr>
+                        <a:buNone/>
+                      </a:pPr>
+                      <a:endParaRPr lang="zh-CN" altLang="en-US"/>
+                    </a:p>
+                  </a:txBody>
+                  <a:tcPr/>
+                </a:tc>
+                <a:tc>
+                  <a:txBody>
+                    <a:bodyPr/>
+                    <a:p>
+                      <a:pPr>
+                        <a:buNone/>
+                      </a:pPr>
+                      <a:endParaRPr lang="zh-CN" altLang="en-US"/>
+                    </a:p>
+                  </a:txBody>
+                  <a:tcPr/>
+                </a:tc>
+              </a:tr>
+              <a:tr h="381000">
+                <a:tc>
+                  <a:txBody>
+                    <a:bodyPr/>
+                    <a:p>
+                      <a:pPr>
+                        <a:buNone/>
+                      </a:pPr>
+                      <a:endParaRPr lang="zh-CN" altLang="en-US"/>
+                    </a:p>
+                  </a:txBody>
+                  <a:tcPr/>
+                </a:tc>
+                <a:tc>
+                  <a:txBody>
+                    <a:bodyPr/>
+                    <a:p>
+                      <a:pPr>
+                        <a:buNone/>
+                      </a:pPr>
+                      <a:endParaRPr lang="zh-CN" altLang="en-US"/>
+                    </a:p>
+                  </a:txBody>
+                  <a:tcPr/>
+                </a:tc>
+                <a:tc>
+                  <a:txBody>
+                    <a:bodyPr/>
+                    <a:p>
+                      <a:pPr>
+                        <a:buNone/>
+                      </a:pPr>
+                      <a:endParaRPr lang="zh-CN" altLang="en-US"/>
+                    </a:p>
+                  </a:txBody>
+                  <a:tcPr/>
+                </a:tc>
+                <a:tc>
+                  <a:txBody>
+                    <a:bodyPr/>
+                    <a:p>
+                      <a:pPr>
+                        <a:buNone/>
+                      </a:pPr>
+                      <a:endParaRPr lang="zh-CN" altLang="en-US"/>
+                    </a:p>
+                  </a:txBody>
+                  <a:tcPr/>
+                </a:tc>
+                <a:tc>
+                  <a:txBody>
+                    <a:bodyPr/>
+                    <a:p>
+                      <a:pPr>
+                        <a:buNone/>
+                      </a:pPr>
+                      <a:endParaRPr lang="zh-CN" altLang="en-US"/>
+                    </a:p>
+                  </a:txBody>
+                  <a:tcPr/>
+                </a:tc>
+                <a:tc>
+                  <a:txBody>
+                    <a:bodyPr/>
+                    <a:p>
+                      <a:pPr>
+                        <a:buNone/>
+                      </a:pPr>
+                      <a:endParaRPr lang="zh-CN" altLang="en-US"/>
+                    </a:p>
+                  </a:txBody>
+                  <a:tcPr/>
+                </a:tc>
+                <a:tc>
+                  <a:txBody>
+                    <a:bodyPr/>
+                    <a:p>
+                      <a:pPr>
+                        <a:buNone/>
+                      </a:pPr>
+                      <a:endParaRPr lang="zh-CN" altLang="en-US"/>
+                    </a:p>
+                  </a:txBody>
+                  <a:tcPr/>
+                </a:tc>
+              </a:tr>
+              <a:tr h="381000">
+                <a:tc>
+                  <a:txBody>
+                    <a:bodyPr/>
+                    <a:p>
+                      <a:pPr>
+                        <a:buNone/>
+                      </a:pPr>
+                      <a:endParaRPr lang="zh-CN" altLang="en-US"/>
+                    </a:p>
+                  </a:txBody>
+                  <a:tcPr/>
+                </a:tc>
+                <a:tc>
+                  <a:txBody>
+                    <a:bodyPr/>
+                    <a:p>
+                      <a:pPr>
+                        <a:buNone/>
+                      </a:pPr>
+                      <a:endParaRPr lang="zh-CN" altLang="en-US"/>
+                    </a:p>
+                  </a:txBody>
+                  <a:tcPr/>
+                </a:tc>
+                <a:tc>
+                  <a:txBody>
+                    <a:bodyPr/>
+                    <a:p>
+                      <a:pPr>
+                        <a:buNone/>
+                      </a:pPr>
+                      <a:endParaRPr lang="zh-CN" altLang="en-US"/>
+                    </a:p>
+                  </a:txBody>
+                  <a:tcPr/>
+                </a:tc>
+                <a:tc>
+                  <a:txBody>
+                    <a:bodyPr/>
+                    <a:p>
+                      <a:pPr>
+                        <a:buNone/>
+                      </a:pPr>
+                      <a:endParaRPr lang="zh-CN" altLang="en-US"/>
+                    </a:p>
+                  </a:txBody>
+                  <a:tcPr/>
+                </a:tc>
+                <a:tc>
+                  <a:txBody>
+                    <a:bodyPr/>
+                    <a:p>
+                      <a:pPr>
+                        <a:buNone/>
+                      </a:pPr>
+                      <a:endParaRPr lang="zh-CN" altLang="en-US"/>
+                    </a:p>
+                  </a:txBody>
+                  <a:tcPr/>
+                </a:tc>
+                <a:tc>
+                  <a:txBody>
+                    <a:bodyPr/>
+                    <a:p>
+                      <a:pPr>
+                        <a:buNone/>
+                      </a:pPr>
+                      <a:endParaRPr lang="zh-CN" altLang="en-US"/>
+                    </a:p>
+                  </a:txBody>
+                  <a:tcPr/>
+                </a:tc>
+                <a:tc>
+                  <a:txBody>
+                    <a:bodyPr/>
+                    <a:p>
+                      <a:pPr>
+                        <a:buNone/>
+                      </a:pPr>
+                      <a:endParaRPr lang="zh-CN" altLang="en-US"/>
+                    </a:p>
+                  </a:txBody>
+                  <a:tcPr/>
+                </a:tc>
+              </a:tr>
+              <a:tr h="381000">
+                <a:tc>
+                  <a:txBody>
+                    <a:bodyPr/>
+                    <a:p>
+                      <a:pPr>
+                        <a:buNone/>
+                      </a:pPr>
+                      <a:endParaRPr lang="zh-CN" altLang="en-US"/>
+                    </a:p>
+                  </a:txBody>
+                  <a:tcPr/>
+                </a:tc>
+                <a:tc>
+                  <a:txBody>
+                    <a:bodyPr/>
+                    <a:p>
+                      <a:pPr>
+                        <a:buNone/>
+                      </a:pPr>
+                      <a:endParaRPr lang="zh-CN" altLang="en-US"/>
+                    </a:p>
+                  </a:txBody>
+                  <a:tcPr/>
+                </a:tc>
+                <a:tc>
+                  <a:txBody>
+                    <a:bodyPr/>
+                    <a:p>
+                      <a:pPr>
+                        <a:buNone/>
+                      </a:pPr>
+                      <a:endParaRPr lang="zh-CN" altLang="en-US"/>
+                    </a:p>
+                  </a:txBody>
+                  <a:tcPr/>
+                </a:tc>
+                <a:tc>
+                  <a:txBody>
+                    <a:bodyPr/>
+                    <a:p>
+                      <a:pPr>
+                        <a:buNone/>
+                      </a:pPr>
+                      <a:endParaRPr lang="zh-CN" altLang="en-US"/>
+                    </a:p>
+                  </a:txBody>
+                  <a:tcPr/>
+                </a:tc>
+                <a:tc>
+                  <a:txBody>
+                    <a:bodyPr/>
+                    <a:p>
+                      <a:pPr>
+                        <a:buNone/>
+                      </a:pPr>
+                      <a:endParaRPr lang="zh-CN" altLang="en-US"/>
+                    </a:p>
+                  </a:txBody>
+                  <a:tcPr/>
+                </a:tc>
+                <a:tc>
+                  <a:txBody>
+                    <a:bodyPr/>
+                    <a:p>
+                      <a:pPr>
+                        <a:buNone/>
+                      </a:pPr>
+                      <a:endParaRPr lang="zh-CN" altLang="en-US"/>
+                    </a:p>
+                  </a:txBody>
+                  <a:tcPr/>
+                </a:tc>
+                <a:tc>
+                  <a:txBody>
+                    <a:bodyPr/>
+                    <a:p>
+                      <a:pPr>
+                        <a:buNone/>
+                      </a:pPr>
+                      <a:endParaRPr lang="zh-CN" altLang="en-US"/>
+                    </a:p>
+                  </a:txBody>
+                  <a:tcPr/>
+                </a:tc>
+              </a:tr>
+            </a:tbl>
+          </a:graphicData>
+        </a:graphic>
+      </p:graphicFrame>
+    </p:spTree>
+    <p:custDataLst>
+      <p:tags r:id="rId2"/>
+    </p:custDataLst>
+  </p:cSld>
+  <p:clrMapOvr>
+    <a:masterClrMapping/>
+  </p:clrMapOvr>
+  <p:transition/>
 </p:sld>
 </file>
 
@@ -4898,7 +6011,15 @@
 
 <file path=ppt/tags/tag68.xml><?xml version="1.0" encoding="utf-8"?>
 <p:tagLst xmlns:p="http://schemas.openxmlformats.org/presentationml/2006/main">
-  <p:tag name="COMMONDATA" val="eyJoZGlkIjoiMmYyM2FkNjIwN2U1MjdmZWY0NjVjYTUzNDNlYzlhZmEifQ=="/>
+  <p:tag name="KSO_WM_UNIT_TABLE_BEAUTIFY" val="smartTable{acfb907c-5dc6-416d-9f48-bcabedb4fb99}"/>
+</p:tagLst>
+</file>
+
+<file path=ppt/tags/tag69.xml><?xml version="1.0" encoding="utf-8"?>
+<p:tagLst xmlns:p="http://schemas.openxmlformats.org/presentationml/2006/main">
+  <p:tag name="KSO_WM_BEAUTIFY_FLAG" val="#wm#"/>
+  <p:tag name="KSO_WM_TEMPLATE_CATEGORY" val="custom"/>
+  <p:tag name="KSO_WM_TEMPLATE_INDEX" val="20205176"/>
 </p:tagLst>
 </file>
 
@@ -4912,6 +6033,26 @@
   <p:tag name="KSO_WM_UNIT_LAYERLEVEL" val="1"/>
   <p:tag name="KSO_WM_TAG_VERSION" val="1.0"/>
   <p:tag name="KSO_WM_BEAUTIFY_FLAG" val="#wm#"/>
+</p:tagLst>
+</file>
+
+<file path=ppt/tags/tag70.xml><?xml version="1.0" encoding="utf-8"?>
+<p:tagLst xmlns:p="http://schemas.openxmlformats.org/presentationml/2006/main">
+  <p:tag name="KSO_WM_UNIT_TABLE_BEAUTIFY" val="smartTable{acfb907c-5dc6-416d-9f48-bcabedb4fb99}"/>
+</p:tagLst>
+</file>
+
+<file path=ppt/tags/tag71.xml><?xml version="1.0" encoding="utf-8"?>
+<p:tagLst xmlns:p="http://schemas.openxmlformats.org/presentationml/2006/main">
+  <p:tag name="KSO_WM_BEAUTIFY_FLAG" val="#wm#"/>
+  <p:tag name="KSO_WM_TEMPLATE_CATEGORY" val="custom"/>
+  <p:tag name="KSO_WM_TEMPLATE_INDEX" val="20205176"/>
+</p:tagLst>
+</file>
+
+<file path=ppt/tags/tag72.xml><?xml version="1.0" encoding="utf-8"?>
+<p:tagLst xmlns:p="http://schemas.openxmlformats.org/presentationml/2006/main">
+  <p:tag name="COMMONDATA" val="eyJoZGlkIjoiMmYyM2FkNjIwN2U1MjdmZWY0NjVjYTUzNDNlYzlhZmEifQ=="/>
 </p:tagLst>
 </file>
 
